--- a/other/pictures.pptx
+++ b/other/pictures.pptx
@@ -7,6 +7,10 @@
   <p:sldIdLst>
     <p:sldId id="256" r:id="rId2"/>
     <p:sldId id="257" r:id="rId3"/>
+    <p:sldId id="258" r:id="rId4"/>
+    <p:sldId id="259" r:id="rId5"/>
+    <p:sldId id="260" r:id="rId6"/>
+    <p:sldId id="261" r:id="rId7"/>
   </p:sldIdLst>
   <p:sldSz cx="12192000" cy="6858000"/>
   <p:notesSz cx="6858000" cy="9144000"/>
@@ -105,7 +109,39 @@
       </a:defRPr>
     </a:lvl9pPr>
   </p:defaultTextStyle>
+  <p:extLst>
+    <p:ext uri="{EFAFB233-063F-42B5-8137-9DF3F51BA10A}">
+      <p15:sldGuideLst xmlns:p15="http://schemas.microsoft.com/office/powerpoint/2012/main"/>
+    </p:ext>
+  </p:extLst>
 </p:presentation>
+</file>
+
+<file path=ppt/ink/ink1.xml><?xml version="1.0" encoding="utf-8"?>
+<inkml:ink xmlns:inkml="http://www.w3.org/2003/InkML">
+  <inkml:definitions>
+    <inkml:context xml:id="ctx0">
+      <inkml:inkSource xml:id="inkSrc0">
+        <inkml:traceFormat>
+          <inkml:channel name="X" type="integer" min="-2.14748E9" max="2.14748E9" units="cm"/>
+          <inkml:channel name="Y" type="integer" min="-2.14748E9" max="2.14748E9" units="cm"/>
+        </inkml:traceFormat>
+        <inkml:channelProperties>
+          <inkml:channelProperty channel="X" name="resolution" value="1000" units="1/cm"/>
+          <inkml:channelProperty channel="Y" name="resolution" value="1000" units="1/cm"/>
+        </inkml:channelProperties>
+      </inkml:inkSource>
+      <inkml:timestamp xml:id="ts0" timeString="2018-12-29T00:42:40.689"/>
+    </inkml:context>
+    <inkml:brush xml:id="br0">
+      <inkml:brushProperty name="width" value="0.05" units="cm"/>
+      <inkml:brushProperty name="height" value="0.05" units="cm"/>
+      <inkml:brushProperty name="color" value="#FFFFFF"/>
+      <inkml:brushProperty name="ignorePressure" value="1"/>
+    </inkml:brush>
+  </inkml:definitions>
+  <inkml:trace contextRef="#ctx0" brushRef="#br0">1 1</inkml:trace>
+</inkml:ink>
 </file>
 
 <file path=ppt/slideLayouts/slideLayout1.xml><?xml version="1.0" encoding="utf-8"?>
@@ -150,10 +186,9 @@
           </a:lstStyle>
           <a:p>
             <a:r>
-              <a:rPr lang="en-US" smtClean="0"/>
+              <a:rPr lang="en-US"/>
               <a:t>Click to edit Master title style</a:t>
             </a:r>
-            <a:endParaRPr lang="en-US"/>
           </a:p>
         </p:txBody>
       </p:sp>
@@ -215,10 +250,9 @@
           </a:lstStyle>
           <a:p>
             <a:r>
-              <a:rPr lang="en-US" smtClean="0"/>
+              <a:rPr lang="en-US"/>
               <a:t>Click to edit Master subtitle style</a:t>
             </a:r>
-            <a:endParaRPr lang="en-US"/>
           </a:p>
         </p:txBody>
       </p:sp>
@@ -239,7 +273,7 @@
           <a:p>
             <a:fld id="{6507315F-3F77-4C31-9821-5847DBA83FF7}" type="datetimeFigureOut">
               <a:rPr lang="en-US" smtClean="0"/>
-              <a:t>12/28/2018</a:t>
+              <a:t>12/30/2018</a:t>
             </a:fld>
             <a:endParaRPr lang="en-US"/>
           </a:p>
@@ -333,10 +367,9 @@
           <a:lstStyle/>
           <a:p>
             <a:r>
-              <a:rPr lang="en-US" smtClean="0"/>
+              <a:rPr lang="en-US"/>
               <a:t>Click to edit Master title style</a:t>
             </a:r>
-            <a:endParaRPr lang="en-US"/>
           </a:p>
         </p:txBody>
       </p:sp>
@@ -357,38 +390,37 @@
           <a:p>
             <a:pPr lvl="0"/>
             <a:r>
-              <a:rPr lang="en-US" smtClean="0"/>
+              <a:rPr lang="en-US"/>
               <a:t>Click to edit Master text styles</a:t>
             </a:r>
           </a:p>
           <a:p>
             <a:pPr lvl="1"/>
             <a:r>
-              <a:rPr lang="en-US" smtClean="0"/>
+              <a:rPr lang="en-US"/>
               <a:t>Second level</a:t>
             </a:r>
           </a:p>
           <a:p>
             <a:pPr lvl="2"/>
             <a:r>
-              <a:rPr lang="en-US" smtClean="0"/>
+              <a:rPr lang="en-US"/>
               <a:t>Third level</a:t>
             </a:r>
           </a:p>
           <a:p>
             <a:pPr lvl="3"/>
             <a:r>
-              <a:rPr lang="en-US" smtClean="0"/>
+              <a:rPr lang="en-US"/>
               <a:t>Fourth level</a:t>
             </a:r>
           </a:p>
           <a:p>
             <a:pPr lvl="4"/>
             <a:r>
-              <a:rPr lang="en-US" smtClean="0"/>
+              <a:rPr lang="en-US"/>
               <a:t>Fifth level</a:t>
             </a:r>
-            <a:endParaRPr lang="en-US"/>
           </a:p>
         </p:txBody>
       </p:sp>
@@ -409,7 +441,7 @@
           <a:p>
             <a:fld id="{6507315F-3F77-4C31-9821-5847DBA83FF7}" type="datetimeFigureOut">
               <a:rPr lang="en-US" smtClean="0"/>
-              <a:t>12/28/2018</a:t>
+              <a:t>12/30/2018</a:t>
             </a:fld>
             <a:endParaRPr lang="en-US"/>
           </a:p>
@@ -508,10 +540,9 @@
           <a:lstStyle/>
           <a:p>
             <a:r>
-              <a:rPr lang="en-US" smtClean="0"/>
+              <a:rPr lang="en-US"/>
               <a:t>Click to edit Master title style</a:t>
             </a:r>
-            <a:endParaRPr lang="en-US"/>
           </a:p>
         </p:txBody>
       </p:sp>
@@ -537,38 +568,37 @@
           <a:p>
             <a:pPr lvl="0"/>
             <a:r>
-              <a:rPr lang="en-US" smtClean="0"/>
+              <a:rPr lang="en-US"/>
               <a:t>Click to edit Master text styles</a:t>
             </a:r>
           </a:p>
           <a:p>
             <a:pPr lvl="1"/>
             <a:r>
-              <a:rPr lang="en-US" smtClean="0"/>
+              <a:rPr lang="en-US"/>
               <a:t>Second level</a:t>
             </a:r>
           </a:p>
           <a:p>
             <a:pPr lvl="2"/>
             <a:r>
-              <a:rPr lang="en-US" smtClean="0"/>
+              <a:rPr lang="en-US"/>
               <a:t>Third level</a:t>
             </a:r>
           </a:p>
           <a:p>
             <a:pPr lvl="3"/>
             <a:r>
-              <a:rPr lang="en-US" smtClean="0"/>
+              <a:rPr lang="en-US"/>
               <a:t>Fourth level</a:t>
             </a:r>
           </a:p>
           <a:p>
             <a:pPr lvl="4"/>
             <a:r>
-              <a:rPr lang="en-US" smtClean="0"/>
+              <a:rPr lang="en-US"/>
               <a:t>Fifth level</a:t>
             </a:r>
-            <a:endParaRPr lang="en-US"/>
           </a:p>
         </p:txBody>
       </p:sp>
@@ -589,7 +619,7 @@
           <a:p>
             <a:fld id="{6507315F-3F77-4C31-9821-5847DBA83FF7}" type="datetimeFigureOut">
               <a:rPr lang="en-US" smtClean="0"/>
-              <a:t>12/28/2018</a:t>
+              <a:t>12/30/2018</a:t>
             </a:fld>
             <a:endParaRPr lang="en-US"/>
           </a:p>
@@ -683,10 +713,9 @@
           <a:lstStyle/>
           <a:p>
             <a:r>
-              <a:rPr lang="en-US" smtClean="0"/>
+              <a:rPr lang="en-US"/>
               <a:t>Click to edit Master title style</a:t>
             </a:r>
-            <a:endParaRPr lang="en-US"/>
           </a:p>
         </p:txBody>
       </p:sp>
@@ -707,38 +736,37 @@
           <a:p>
             <a:pPr lvl="0"/>
             <a:r>
-              <a:rPr lang="en-US" smtClean="0"/>
+              <a:rPr lang="en-US"/>
               <a:t>Click to edit Master text styles</a:t>
             </a:r>
           </a:p>
           <a:p>
             <a:pPr lvl="1"/>
             <a:r>
-              <a:rPr lang="en-US" smtClean="0"/>
+              <a:rPr lang="en-US"/>
               <a:t>Second level</a:t>
             </a:r>
           </a:p>
           <a:p>
             <a:pPr lvl="2"/>
             <a:r>
-              <a:rPr lang="en-US" smtClean="0"/>
+              <a:rPr lang="en-US"/>
               <a:t>Third level</a:t>
             </a:r>
           </a:p>
           <a:p>
             <a:pPr lvl="3"/>
             <a:r>
-              <a:rPr lang="en-US" smtClean="0"/>
+              <a:rPr lang="en-US"/>
               <a:t>Fourth level</a:t>
             </a:r>
           </a:p>
           <a:p>
             <a:pPr lvl="4"/>
             <a:r>
-              <a:rPr lang="en-US" smtClean="0"/>
+              <a:rPr lang="en-US"/>
               <a:t>Fifth level</a:t>
             </a:r>
-            <a:endParaRPr lang="en-US"/>
           </a:p>
         </p:txBody>
       </p:sp>
@@ -759,7 +787,7 @@
           <a:p>
             <a:fld id="{6507315F-3F77-4C31-9821-5847DBA83FF7}" type="datetimeFigureOut">
               <a:rPr lang="en-US" smtClean="0"/>
-              <a:t>12/28/2018</a:t>
+              <a:t>12/30/2018</a:t>
             </a:fld>
             <a:endParaRPr lang="en-US"/>
           </a:p>
@@ -862,10 +890,9 @@
           </a:lstStyle>
           <a:p>
             <a:r>
-              <a:rPr lang="en-US" smtClean="0"/>
+              <a:rPr lang="en-US"/>
               <a:t>Click to edit Master title style</a:t>
             </a:r>
-            <a:endParaRPr lang="en-US"/>
           </a:p>
         </p:txBody>
       </p:sp>
@@ -982,7 +1009,7 @@
           <a:p>
             <a:pPr lvl="0"/>
             <a:r>
-              <a:rPr lang="en-US" smtClean="0"/>
+              <a:rPr lang="en-US"/>
               <a:t>Click to edit Master text styles</a:t>
             </a:r>
           </a:p>
@@ -1005,7 +1032,7 @@
           <a:p>
             <a:fld id="{6507315F-3F77-4C31-9821-5847DBA83FF7}" type="datetimeFigureOut">
               <a:rPr lang="en-US" smtClean="0"/>
-              <a:t>12/28/2018</a:t>
+              <a:t>12/30/2018</a:t>
             </a:fld>
             <a:endParaRPr lang="en-US"/>
           </a:p>
@@ -1099,10 +1126,9 @@
           <a:lstStyle/>
           <a:p>
             <a:r>
-              <a:rPr lang="en-US" smtClean="0"/>
+              <a:rPr lang="en-US"/>
               <a:t>Click to edit Master title style</a:t>
             </a:r>
-            <a:endParaRPr lang="en-US"/>
           </a:p>
         </p:txBody>
       </p:sp>
@@ -1128,38 +1154,37 @@
           <a:p>
             <a:pPr lvl="0"/>
             <a:r>
-              <a:rPr lang="en-US" smtClean="0"/>
+              <a:rPr lang="en-US"/>
               <a:t>Click to edit Master text styles</a:t>
             </a:r>
           </a:p>
           <a:p>
             <a:pPr lvl="1"/>
             <a:r>
-              <a:rPr lang="en-US" smtClean="0"/>
+              <a:rPr lang="en-US"/>
               <a:t>Second level</a:t>
             </a:r>
           </a:p>
           <a:p>
             <a:pPr lvl="2"/>
             <a:r>
-              <a:rPr lang="en-US" smtClean="0"/>
+              <a:rPr lang="en-US"/>
               <a:t>Third level</a:t>
             </a:r>
           </a:p>
           <a:p>
             <a:pPr lvl="3"/>
             <a:r>
-              <a:rPr lang="en-US" smtClean="0"/>
+              <a:rPr lang="en-US"/>
               <a:t>Fourth level</a:t>
             </a:r>
           </a:p>
           <a:p>
             <a:pPr lvl="4"/>
             <a:r>
-              <a:rPr lang="en-US" smtClean="0"/>
+              <a:rPr lang="en-US"/>
               <a:t>Fifth level</a:t>
             </a:r>
-            <a:endParaRPr lang="en-US"/>
           </a:p>
         </p:txBody>
       </p:sp>
@@ -1185,38 +1210,37 @@
           <a:p>
             <a:pPr lvl="0"/>
             <a:r>
-              <a:rPr lang="en-US" smtClean="0"/>
+              <a:rPr lang="en-US"/>
               <a:t>Click to edit Master text styles</a:t>
             </a:r>
           </a:p>
           <a:p>
             <a:pPr lvl="1"/>
             <a:r>
-              <a:rPr lang="en-US" smtClean="0"/>
+              <a:rPr lang="en-US"/>
               <a:t>Second level</a:t>
             </a:r>
           </a:p>
           <a:p>
             <a:pPr lvl="2"/>
             <a:r>
-              <a:rPr lang="en-US" smtClean="0"/>
+              <a:rPr lang="en-US"/>
               <a:t>Third level</a:t>
             </a:r>
           </a:p>
           <a:p>
             <a:pPr lvl="3"/>
             <a:r>
-              <a:rPr lang="en-US" smtClean="0"/>
+              <a:rPr lang="en-US"/>
               <a:t>Fourth level</a:t>
             </a:r>
           </a:p>
           <a:p>
             <a:pPr lvl="4"/>
             <a:r>
-              <a:rPr lang="en-US" smtClean="0"/>
+              <a:rPr lang="en-US"/>
               <a:t>Fifth level</a:t>
             </a:r>
-            <a:endParaRPr lang="en-US"/>
           </a:p>
         </p:txBody>
       </p:sp>
@@ -1237,7 +1261,7 @@
           <a:p>
             <a:fld id="{6507315F-3F77-4C31-9821-5847DBA83FF7}" type="datetimeFigureOut">
               <a:rPr lang="en-US" smtClean="0"/>
-              <a:t>12/28/2018</a:t>
+              <a:t>12/30/2018</a:t>
             </a:fld>
             <a:endParaRPr lang="en-US"/>
           </a:p>
@@ -1336,10 +1360,9 @@
           <a:lstStyle/>
           <a:p>
             <a:r>
-              <a:rPr lang="en-US" smtClean="0"/>
+              <a:rPr lang="en-US"/>
               <a:t>Click to edit Master title style</a:t>
             </a:r>
-            <a:endParaRPr lang="en-US"/>
           </a:p>
         </p:txBody>
       </p:sp>
@@ -1402,7 +1425,7 @@
           <a:p>
             <a:pPr lvl="0"/>
             <a:r>
-              <a:rPr lang="en-US" smtClean="0"/>
+              <a:rPr lang="en-US"/>
               <a:t>Click to edit Master text styles</a:t>
             </a:r>
           </a:p>
@@ -1430,38 +1453,37 @@
           <a:p>
             <a:pPr lvl="0"/>
             <a:r>
-              <a:rPr lang="en-US" smtClean="0"/>
+              <a:rPr lang="en-US"/>
               <a:t>Click to edit Master text styles</a:t>
             </a:r>
           </a:p>
           <a:p>
             <a:pPr lvl="1"/>
             <a:r>
-              <a:rPr lang="en-US" smtClean="0"/>
+              <a:rPr lang="en-US"/>
               <a:t>Second level</a:t>
             </a:r>
           </a:p>
           <a:p>
             <a:pPr lvl="2"/>
             <a:r>
-              <a:rPr lang="en-US" smtClean="0"/>
+              <a:rPr lang="en-US"/>
               <a:t>Third level</a:t>
             </a:r>
           </a:p>
           <a:p>
             <a:pPr lvl="3"/>
             <a:r>
-              <a:rPr lang="en-US" smtClean="0"/>
+              <a:rPr lang="en-US"/>
               <a:t>Fourth level</a:t>
             </a:r>
           </a:p>
           <a:p>
             <a:pPr lvl="4"/>
             <a:r>
-              <a:rPr lang="en-US" smtClean="0"/>
+              <a:rPr lang="en-US"/>
               <a:t>Fifth level</a:t>
             </a:r>
-            <a:endParaRPr lang="en-US"/>
           </a:p>
         </p:txBody>
       </p:sp>
@@ -1524,7 +1546,7 @@
           <a:p>
             <a:pPr lvl="0"/>
             <a:r>
-              <a:rPr lang="en-US" smtClean="0"/>
+              <a:rPr lang="en-US"/>
               <a:t>Click to edit Master text styles</a:t>
             </a:r>
           </a:p>
@@ -1552,38 +1574,37 @@
           <a:p>
             <a:pPr lvl="0"/>
             <a:r>
-              <a:rPr lang="en-US" smtClean="0"/>
+              <a:rPr lang="en-US"/>
               <a:t>Click to edit Master text styles</a:t>
             </a:r>
           </a:p>
           <a:p>
             <a:pPr lvl="1"/>
             <a:r>
-              <a:rPr lang="en-US" smtClean="0"/>
+              <a:rPr lang="en-US"/>
               <a:t>Second level</a:t>
             </a:r>
           </a:p>
           <a:p>
             <a:pPr lvl="2"/>
             <a:r>
-              <a:rPr lang="en-US" smtClean="0"/>
+              <a:rPr lang="en-US"/>
               <a:t>Third level</a:t>
             </a:r>
           </a:p>
           <a:p>
             <a:pPr lvl="3"/>
             <a:r>
-              <a:rPr lang="en-US" smtClean="0"/>
+              <a:rPr lang="en-US"/>
               <a:t>Fourth level</a:t>
             </a:r>
           </a:p>
           <a:p>
             <a:pPr lvl="4"/>
             <a:r>
-              <a:rPr lang="en-US" smtClean="0"/>
+              <a:rPr lang="en-US"/>
               <a:t>Fifth level</a:t>
             </a:r>
-            <a:endParaRPr lang="en-US"/>
           </a:p>
         </p:txBody>
       </p:sp>
@@ -1604,7 +1625,7 @@
           <a:p>
             <a:fld id="{6507315F-3F77-4C31-9821-5847DBA83FF7}" type="datetimeFigureOut">
               <a:rPr lang="en-US" smtClean="0"/>
-              <a:t>12/28/2018</a:t>
+              <a:t>12/30/2018</a:t>
             </a:fld>
             <a:endParaRPr lang="en-US"/>
           </a:p>
@@ -1698,10 +1719,9 @@
           <a:lstStyle/>
           <a:p>
             <a:r>
-              <a:rPr lang="en-US" smtClean="0"/>
+              <a:rPr lang="en-US"/>
               <a:t>Click to edit Master title style</a:t>
             </a:r>
-            <a:endParaRPr lang="en-US"/>
           </a:p>
         </p:txBody>
       </p:sp>
@@ -1722,7 +1742,7 @@
           <a:p>
             <a:fld id="{6507315F-3F77-4C31-9821-5847DBA83FF7}" type="datetimeFigureOut">
               <a:rPr lang="en-US" smtClean="0"/>
-              <a:t>12/28/2018</a:t>
+              <a:t>12/30/2018</a:t>
             </a:fld>
             <a:endParaRPr lang="en-US"/>
           </a:p>
@@ -1817,7 +1837,7 @@
           <a:p>
             <a:fld id="{6507315F-3F77-4C31-9821-5847DBA83FF7}" type="datetimeFigureOut">
               <a:rPr lang="en-US" smtClean="0"/>
-              <a:t>12/28/2018</a:t>
+              <a:t>12/30/2018</a:t>
             </a:fld>
             <a:endParaRPr lang="en-US"/>
           </a:p>
@@ -1920,10 +1940,9 @@
           </a:lstStyle>
           <a:p>
             <a:r>
-              <a:rPr lang="en-US" smtClean="0"/>
+              <a:rPr lang="en-US"/>
               <a:t>Click to edit Master title style</a:t>
             </a:r>
-            <a:endParaRPr lang="en-US"/>
           </a:p>
         </p:txBody>
       </p:sp>
@@ -1977,38 +1996,37 @@
           <a:p>
             <a:pPr lvl="0"/>
             <a:r>
-              <a:rPr lang="en-US" smtClean="0"/>
+              <a:rPr lang="en-US"/>
               <a:t>Click to edit Master text styles</a:t>
             </a:r>
           </a:p>
           <a:p>
             <a:pPr lvl="1"/>
             <a:r>
-              <a:rPr lang="en-US" smtClean="0"/>
+              <a:rPr lang="en-US"/>
               <a:t>Second level</a:t>
             </a:r>
           </a:p>
           <a:p>
             <a:pPr lvl="2"/>
             <a:r>
-              <a:rPr lang="en-US" smtClean="0"/>
+              <a:rPr lang="en-US"/>
               <a:t>Third level</a:t>
             </a:r>
           </a:p>
           <a:p>
             <a:pPr lvl="3"/>
             <a:r>
-              <a:rPr lang="en-US" smtClean="0"/>
+              <a:rPr lang="en-US"/>
               <a:t>Fourth level</a:t>
             </a:r>
           </a:p>
           <a:p>
             <a:pPr lvl="4"/>
             <a:r>
-              <a:rPr lang="en-US" smtClean="0"/>
+              <a:rPr lang="en-US"/>
               <a:t>Fifth level</a:t>
             </a:r>
-            <a:endParaRPr lang="en-US"/>
           </a:p>
         </p:txBody>
       </p:sp>
@@ -2071,7 +2089,7 @@
           <a:p>
             <a:pPr lvl="0"/>
             <a:r>
-              <a:rPr lang="en-US" smtClean="0"/>
+              <a:rPr lang="en-US"/>
               <a:t>Click to edit Master text styles</a:t>
             </a:r>
           </a:p>
@@ -2094,7 +2112,7 @@
           <a:p>
             <a:fld id="{6507315F-3F77-4C31-9821-5847DBA83FF7}" type="datetimeFigureOut">
               <a:rPr lang="en-US" smtClean="0"/>
-              <a:t>12/28/2018</a:t>
+              <a:t>12/30/2018</a:t>
             </a:fld>
             <a:endParaRPr lang="en-US"/>
           </a:p>
@@ -2197,10 +2215,9 @@
           </a:lstStyle>
           <a:p>
             <a:r>
-              <a:rPr lang="en-US" smtClean="0"/>
+              <a:rPr lang="en-US"/>
               <a:t>Click to edit Master title style</a:t>
             </a:r>
-            <a:endParaRPr lang="en-US"/>
           </a:p>
         </p:txBody>
       </p:sp>
@@ -2324,7 +2341,7 @@
           <a:p>
             <a:pPr lvl="0"/>
             <a:r>
-              <a:rPr lang="en-US" smtClean="0"/>
+              <a:rPr lang="en-US"/>
               <a:t>Click to edit Master text styles</a:t>
             </a:r>
           </a:p>
@@ -2347,7 +2364,7 @@
           <a:p>
             <a:fld id="{6507315F-3F77-4C31-9821-5847DBA83FF7}" type="datetimeFigureOut">
               <a:rPr lang="en-US" smtClean="0"/>
-              <a:t>12/28/2018</a:t>
+              <a:t>12/30/2018</a:t>
             </a:fld>
             <a:endParaRPr lang="en-US"/>
           </a:p>
@@ -2456,10 +2473,9 @@
           <a:lstStyle/>
           <a:p>
             <a:r>
-              <a:rPr lang="en-US" smtClean="0"/>
+              <a:rPr lang="en-US"/>
               <a:t>Click to edit Master title style</a:t>
             </a:r>
-            <a:endParaRPr lang="en-US"/>
           </a:p>
         </p:txBody>
       </p:sp>
@@ -2490,38 +2506,37 @@
           <a:p>
             <a:pPr lvl="0"/>
             <a:r>
-              <a:rPr lang="en-US" smtClean="0"/>
+              <a:rPr lang="en-US"/>
               <a:t>Click to edit Master text styles</a:t>
             </a:r>
           </a:p>
           <a:p>
             <a:pPr lvl="1"/>
             <a:r>
-              <a:rPr lang="en-US" smtClean="0"/>
+              <a:rPr lang="en-US"/>
               <a:t>Second level</a:t>
             </a:r>
           </a:p>
           <a:p>
             <a:pPr lvl="2"/>
             <a:r>
-              <a:rPr lang="en-US" smtClean="0"/>
+              <a:rPr lang="en-US"/>
               <a:t>Third level</a:t>
             </a:r>
           </a:p>
           <a:p>
             <a:pPr lvl="3"/>
             <a:r>
-              <a:rPr lang="en-US" smtClean="0"/>
+              <a:rPr lang="en-US"/>
               <a:t>Fourth level</a:t>
             </a:r>
           </a:p>
           <a:p>
             <a:pPr lvl="4"/>
             <a:r>
-              <a:rPr lang="en-US" smtClean="0"/>
+              <a:rPr lang="en-US"/>
               <a:t>Fifth level</a:t>
             </a:r>
-            <a:endParaRPr lang="en-US"/>
           </a:p>
         </p:txBody>
       </p:sp>
@@ -2560,7 +2575,7 @@
           <a:p>
             <a:fld id="{6507315F-3F77-4C31-9821-5847DBA83FF7}" type="datetimeFigureOut">
               <a:rPr lang="en-US" smtClean="0"/>
-              <a:t>12/28/2018</a:t>
+              <a:t>12/30/2018</a:t>
             </a:fld>
             <a:endParaRPr lang="en-US"/>
           </a:p>
@@ -3076,10 +3091,734 @@
 </p:sld>
 </file>
 
+<file path=ppt/slides/slide3.xml><?xml version="1.0" encoding="utf-8"?>
+<p:sld xmlns:a="http://schemas.openxmlformats.org/drawingml/2006/main" xmlns:r="http://schemas.openxmlformats.org/officeDocument/2006/relationships" xmlns:p="http://schemas.openxmlformats.org/presentationml/2006/main">
+  <p:cSld>
+    <p:spTree>
+      <p:nvGrpSpPr>
+        <p:cNvPr id="1" name=""/>
+        <p:cNvGrpSpPr/>
+        <p:nvPr/>
+      </p:nvGrpSpPr>
+      <p:grpSpPr>
+        <a:xfrm>
+          <a:off x="0" y="0"/>
+          <a:ext cx="0" cy="0"/>
+          <a:chOff x="0" y="0"/>
+          <a:chExt cx="0" cy="0"/>
+        </a:xfrm>
+      </p:grpSpPr>
+      <p:sp>
+        <p:nvSpPr>
+          <p:cNvPr id="6" name="Oval 5">
+            <a:extLst>
+              <a:ext uri="{FF2B5EF4-FFF2-40B4-BE49-F238E27FC236}">
+                <a16:creationId xmlns:a16="http://schemas.microsoft.com/office/drawing/2014/main" id="{B26C4FCB-4DE3-4341-B382-4EC604F55BB5}"/>
+              </a:ext>
+            </a:extLst>
+          </p:cNvPr>
+          <p:cNvSpPr/>
+          <p:nvPr/>
+        </p:nvSpPr>
+        <p:spPr>
+          <a:xfrm>
+            <a:off x="3930162" y="1705708"/>
+            <a:ext cx="3657600" cy="3657600"/>
+          </a:xfrm>
+          <a:prstGeom prst="ellipse">
+            <a:avLst/>
+          </a:prstGeom>
+          <a:ln>
+            <a:noFill/>
+          </a:ln>
+          <a:effectLst>
+            <a:outerShdw blurRad="149987" dist="250190" dir="8460000" algn="ctr">
+              <a:srgbClr val="000000">
+                <a:alpha val="28000"/>
+              </a:srgbClr>
+            </a:outerShdw>
+          </a:effectLst>
+          <a:scene3d>
+            <a:camera prst="orthographicFront">
+              <a:rot lat="0" lon="0" rev="0"/>
+            </a:camera>
+            <a:lightRig rig="contrasting" dir="t">
+              <a:rot lat="0" lon="0" rev="1500000"/>
+            </a:lightRig>
+          </a:scene3d>
+          <a:sp3d prstMaterial="metal">
+            <a:bevelT w="88900" h="88900"/>
+          </a:sp3d>
+        </p:spPr>
+        <p:style>
+          <a:lnRef idx="0">
+            <a:schemeClr val="accent1"/>
+          </a:lnRef>
+          <a:fillRef idx="3">
+            <a:schemeClr val="accent1"/>
+          </a:fillRef>
+          <a:effectRef idx="3">
+            <a:schemeClr val="accent1"/>
+          </a:effectRef>
+          <a:fontRef idx="minor">
+            <a:schemeClr val="lt1"/>
+          </a:fontRef>
+        </p:style>
+        <p:txBody>
+          <a:bodyPr rtlCol="0" anchor="ctr"/>
+          <a:lstStyle/>
+          <a:p>
+            <a:pPr algn="ctr"/>
+            <a:endParaRPr lang="en-US"/>
+          </a:p>
+        </p:txBody>
+      </p:sp>
+      <p:sp>
+        <p:nvSpPr>
+          <p:cNvPr id="7" name="Arc 6">
+            <a:extLst>
+              <a:ext uri="{FF2B5EF4-FFF2-40B4-BE49-F238E27FC236}">
+                <a16:creationId xmlns:a16="http://schemas.microsoft.com/office/drawing/2014/main" id="{0513A1C6-D13B-466E-8EAD-60D4AF785C1C}"/>
+              </a:ext>
+            </a:extLst>
+          </p:cNvPr>
+          <p:cNvSpPr/>
+          <p:nvPr/>
+        </p:nvSpPr>
+        <p:spPr>
+          <a:xfrm rot="18873386">
+            <a:off x="4363405" y="2966184"/>
+            <a:ext cx="1403757" cy="1509779"/>
+          </a:xfrm>
+          <a:prstGeom prst="arc">
+            <a:avLst/>
+          </a:prstGeom>
+        </p:spPr>
+        <p:style>
+          <a:lnRef idx="3">
+            <a:schemeClr val="dk1"/>
+          </a:lnRef>
+          <a:fillRef idx="0">
+            <a:schemeClr val="dk1"/>
+          </a:fillRef>
+          <a:effectRef idx="2">
+            <a:schemeClr val="dk1"/>
+          </a:effectRef>
+          <a:fontRef idx="minor">
+            <a:schemeClr val="tx1"/>
+          </a:fontRef>
+        </p:style>
+        <p:txBody>
+          <a:bodyPr rtlCol="0" anchor="ctr"/>
+          <a:lstStyle/>
+          <a:p>
+            <a:pPr algn="ctr"/>
+            <a:endParaRPr lang="en-US"/>
+          </a:p>
+        </p:txBody>
+      </p:sp>
+      <p:sp>
+        <p:nvSpPr>
+          <p:cNvPr id="8" name="Arc 7">
+            <a:extLst>
+              <a:ext uri="{FF2B5EF4-FFF2-40B4-BE49-F238E27FC236}">
+                <a16:creationId xmlns:a16="http://schemas.microsoft.com/office/drawing/2014/main" id="{08AE7FFD-437D-4001-9086-BAA4AB5C1730}"/>
+              </a:ext>
+            </a:extLst>
+          </p:cNvPr>
+          <p:cNvSpPr/>
+          <p:nvPr/>
+        </p:nvSpPr>
+        <p:spPr>
+          <a:xfrm rot="18873386">
+            <a:off x="5746728" y="2966184"/>
+            <a:ext cx="1403757" cy="1509779"/>
+          </a:xfrm>
+          <a:prstGeom prst="arc">
+            <a:avLst/>
+          </a:prstGeom>
+        </p:spPr>
+        <p:style>
+          <a:lnRef idx="3">
+            <a:schemeClr val="dk1"/>
+          </a:lnRef>
+          <a:fillRef idx="0">
+            <a:schemeClr val="dk1"/>
+          </a:fillRef>
+          <a:effectRef idx="2">
+            <a:schemeClr val="dk1"/>
+          </a:effectRef>
+          <a:fontRef idx="minor">
+            <a:schemeClr val="tx1"/>
+          </a:fontRef>
+        </p:style>
+        <p:txBody>
+          <a:bodyPr rtlCol="0" anchor="ctr"/>
+          <a:lstStyle/>
+          <a:p>
+            <a:pPr algn="ctr"/>
+            <a:endParaRPr lang="en-US"/>
+          </a:p>
+        </p:txBody>
+      </p:sp>
+      <p:sp>
+        <p:nvSpPr>
+          <p:cNvPr id="9" name="Arc 8">
+            <a:extLst>
+              <a:ext uri="{FF2B5EF4-FFF2-40B4-BE49-F238E27FC236}">
+                <a16:creationId xmlns:a16="http://schemas.microsoft.com/office/drawing/2014/main" id="{3F3D2697-0270-4591-BED8-02E73F41626C}"/>
+              </a:ext>
+            </a:extLst>
+          </p:cNvPr>
+          <p:cNvSpPr/>
+          <p:nvPr/>
+        </p:nvSpPr>
+        <p:spPr>
+          <a:xfrm rot="8265511">
+            <a:off x="4477357" y="2010019"/>
+            <a:ext cx="2690372" cy="2486269"/>
+          </a:xfrm>
+          <a:prstGeom prst="arc">
+            <a:avLst/>
+          </a:prstGeom>
+        </p:spPr>
+        <p:style>
+          <a:lnRef idx="3">
+            <a:schemeClr val="dk1"/>
+          </a:lnRef>
+          <a:fillRef idx="0">
+            <a:schemeClr val="dk1"/>
+          </a:fillRef>
+          <a:effectRef idx="2">
+            <a:schemeClr val="dk1"/>
+          </a:effectRef>
+          <a:fontRef idx="minor">
+            <a:schemeClr val="tx1"/>
+          </a:fontRef>
+        </p:style>
+        <p:txBody>
+          <a:bodyPr rtlCol="0" anchor="ctr"/>
+          <a:lstStyle/>
+          <a:p>
+            <a:pPr algn="ctr"/>
+            <a:endParaRPr lang="en-US"/>
+          </a:p>
+        </p:txBody>
+      </p:sp>
+    </p:spTree>
+    <p:extLst>
+      <p:ext uri="{BB962C8B-B14F-4D97-AF65-F5344CB8AC3E}">
+        <p14:creationId xmlns:p14="http://schemas.microsoft.com/office/powerpoint/2010/main" val="751975635"/>
+      </p:ext>
+    </p:extLst>
+  </p:cSld>
+  <p:clrMapOvr>
+    <a:masterClrMapping/>
+  </p:clrMapOvr>
+</p:sld>
+</file>
+
+<file path=ppt/slides/slide4.xml><?xml version="1.0" encoding="utf-8"?>
+<p:sld xmlns:a="http://schemas.openxmlformats.org/drawingml/2006/main" xmlns:r="http://schemas.openxmlformats.org/officeDocument/2006/relationships" xmlns:p="http://schemas.openxmlformats.org/presentationml/2006/main">
+  <p:cSld>
+    <p:spTree>
+      <p:nvGrpSpPr>
+        <p:cNvPr id="1" name=""/>
+        <p:cNvGrpSpPr/>
+        <p:nvPr/>
+      </p:nvGrpSpPr>
+      <p:grpSpPr>
+        <a:xfrm>
+          <a:off x="0" y="0"/>
+          <a:ext cx="0" cy="0"/>
+          <a:chOff x="0" y="0"/>
+          <a:chExt cx="0" cy="0"/>
+        </a:xfrm>
+      </p:grpSpPr>
+      <p:sp>
+        <p:nvSpPr>
+          <p:cNvPr id="7" name="Rectangle 6">
+            <a:extLst>
+              <a:ext uri="{FF2B5EF4-FFF2-40B4-BE49-F238E27FC236}">
+                <a16:creationId xmlns:a16="http://schemas.microsoft.com/office/drawing/2014/main" id="{1B2869FA-668E-44AA-8D4A-D0BF54053D22}"/>
+              </a:ext>
+            </a:extLst>
+          </p:cNvPr>
+          <p:cNvSpPr/>
+          <p:nvPr/>
+        </p:nvSpPr>
+        <p:spPr>
+          <a:xfrm>
+            <a:off x="3995961" y="1303276"/>
+            <a:ext cx="3657600" cy="3657600"/>
+          </a:xfrm>
+          <a:prstGeom prst="rect">
+            <a:avLst/>
+          </a:prstGeom>
+          <a:noFill/>
+          <a:ln>
+            <a:noFill/>
+          </a:ln>
+        </p:spPr>
+        <p:style>
+          <a:lnRef idx="2">
+            <a:schemeClr val="accent1">
+              <a:shade val="50000"/>
+            </a:schemeClr>
+          </a:lnRef>
+          <a:fillRef idx="1">
+            <a:schemeClr val="accent1"/>
+          </a:fillRef>
+          <a:effectRef idx="0">
+            <a:schemeClr val="accent1"/>
+          </a:effectRef>
+          <a:fontRef idx="minor">
+            <a:schemeClr val="lt1"/>
+          </a:fontRef>
+        </p:style>
+        <p:txBody>
+          <a:bodyPr rtlCol="0" anchor="ctr"/>
+          <a:lstStyle/>
+          <a:p>
+            <a:pPr algn="ctr"/>
+            <a:endParaRPr lang="en-US"/>
+          </a:p>
+        </p:txBody>
+      </p:sp>
+      <p:sp>
+        <p:nvSpPr>
+          <p:cNvPr id="8" name="Oval 7">
+            <a:extLst>
+              <a:ext uri="{FF2B5EF4-FFF2-40B4-BE49-F238E27FC236}">
+                <a16:creationId xmlns:a16="http://schemas.microsoft.com/office/drawing/2014/main" id="{B1E61AEA-35A2-4BCD-97B1-12A611F29240}"/>
+              </a:ext>
+            </a:extLst>
+          </p:cNvPr>
+          <p:cNvSpPr/>
+          <p:nvPr/>
+        </p:nvSpPr>
+        <p:spPr>
+          <a:xfrm>
+            <a:off x="5109041" y="1811215"/>
+            <a:ext cx="634920" cy="613435"/>
+          </a:xfrm>
+          <a:prstGeom prst="ellipse">
+            <a:avLst/>
+          </a:prstGeom>
+          <a:noFill/>
+          <a:ln w="76200"/>
+        </p:spPr>
+        <p:style>
+          <a:lnRef idx="2">
+            <a:schemeClr val="accent1"/>
+          </a:lnRef>
+          <a:fillRef idx="1">
+            <a:schemeClr val="lt1"/>
+          </a:fillRef>
+          <a:effectRef idx="0">
+            <a:schemeClr val="accent1"/>
+          </a:effectRef>
+          <a:fontRef idx="minor">
+            <a:schemeClr val="dk1"/>
+          </a:fontRef>
+        </p:style>
+        <p:txBody>
+          <a:bodyPr rtlCol="0" anchor="ctr"/>
+          <a:lstStyle/>
+          <a:p>
+            <a:pPr algn="ctr"/>
+            <a:endParaRPr lang="en-US"/>
+          </a:p>
+        </p:txBody>
+      </p:sp>
+      <p:sp>
+        <p:nvSpPr>
+          <p:cNvPr id="6" name="Oval 5">
+            <a:extLst>
+              <a:ext uri="{FF2B5EF4-FFF2-40B4-BE49-F238E27FC236}">
+                <a16:creationId xmlns:a16="http://schemas.microsoft.com/office/drawing/2014/main" id="{32BC67D9-23EB-4FAB-92EC-93A218B7ACE9}"/>
+              </a:ext>
+            </a:extLst>
+          </p:cNvPr>
+          <p:cNvSpPr/>
+          <p:nvPr/>
+        </p:nvSpPr>
+        <p:spPr>
+          <a:xfrm>
+            <a:off x="4876917" y="1569292"/>
+            <a:ext cx="1099168" cy="1097280"/>
+          </a:xfrm>
+          <a:prstGeom prst="ellipse">
+            <a:avLst/>
+          </a:prstGeom>
+          <a:noFill/>
+          <a:ln w="76200"/>
+        </p:spPr>
+        <p:style>
+          <a:lnRef idx="2">
+            <a:schemeClr val="accent1"/>
+          </a:lnRef>
+          <a:fillRef idx="1">
+            <a:schemeClr val="lt1"/>
+          </a:fillRef>
+          <a:effectRef idx="0">
+            <a:schemeClr val="accent1"/>
+          </a:effectRef>
+          <a:fontRef idx="minor">
+            <a:schemeClr val="dk1"/>
+          </a:fontRef>
+        </p:style>
+        <p:txBody>
+          <a:bodyPr rtlCol="0" anchor="ctr"/>
+          <a:lstStyle/>
+          <a:p>
+            <a:pPr algn="ctr"/>
+            <a:endParaRPr lang="en-US"/>
+          </a:p>
+        </p:txBody>
+      </p:sp>
+      <mc:AlternateContent xmlns:mc="http://schemas.openxmlformats.org/markup-compatibility/2006" xmlns:p14="http://schemas.microsoft.com/office/powerpoint/2010/main">
+        <mc:Choice Requires="p14">
+          <p:contentPart p14:bwMode="auto" r:id="rId2">
+            <p14:nvContentPartPr>
+              <p14:cNvPr id="4" name="Ink 3">
+                <a:extLst>
+                  <a:ext uri="{FF2B5EF4-FFF2-40B4-BE49-F238E27FC236}">
+                    <a16:creationId xmlns:a16="http://schemas.microsoft.com/office/drawing/2014/main" id="{587930EE-FB94-4DC9-8314-3B45B450496B}"/>
+                  </a:ext>
+                </a:extLst>
+              </p14:cNvPr>
+              <p14:cNvContentPartPr/>
+              <p14:nvPr/>
+            </p14:nvContentPartPr>
+            <p14:xfrm>
+              <a:off x="6356492" y="2426372"/>
+              <a:ext cx="360" cy="360"/>
+            </p14:xfrm>
+          </p:contentPart>
+        </mc:Choice>
+        <mc:Fallback xmlns="">
+          <p:pic>
+            <p:nvPicPr>
+              <p:cNvPr id="4" name="Ink 3">
+                <a:extLst>
+                  <a:ext uri="{FF2B5EF4-FFF2-40B4-BE49-F238E27FC236}">
+                    <a16:creationId xmlns:a16="http://schemas.microsoft.com/office/drawing/2014/main" id="{587930EE-FB94-4DC9-8314-3B45B450496B}"/>
+                  </a:ext>
+                </a:extLst>
+              </p:cNvPr>
+              <p:cNvPicPr/>
+              <p:nvPr/>
+            </p:nvPicPr>
+            <p:blipFill>
+              <a:blip r:embed="rId3"/>
+              <a:stretch>
+                <a:fillRect/>
+              </a:stretch>
+            </p:blipFill>
+            <p:spPr>
+              <a:xfrm>
+                <a:off x="6347852" y="2417732"/>
+                <a:ext cx="18000" cy="18000"/>
+              </a:xfrm>
+              <a:prstGeom prst="rect">
+                <a:avLst/>
+              </a:prstGeom>
+            </p:spPr>
+          </p:pic>
+        </mc:Fallback>
+      </mc:AlternateContent>
+      <p:pic>
+        <p:nvPicPr>
+          <p:cNvPr id="5" name="Picture 4">
+            <a:extLst>
+              <a:ext uri="{FF2B5EF4-FFF2-40B4-BE49-F238E27FC236}">
+                <a16:creationId xmlns:a16="http://schemas.microsoft.com/office/drawing/2014/main" id="{4E77587B-8D4D-4F65-A11B-AFB0C187A7D5}"/>
+              </a:ext>
+            </a:extLst>
+          </p:cNvPr>
+          <p:cNvPicPr>
+            <a:picLocks noChangeAspect="1"/>
+          </p:cNvPicPr>
+          <p:nvPr/>
+        </p:nvPicPr>
+        <p:blipFill>
+          <a:blip r:embed="rId4">
+            <a:extLst>
+              <a:ext uri="{BEBA8EAE-BF5A-486C-A8C5-ECC9F3942E4B}">
+                <a14:imgProps xmlns:a14="http://schemas.microsoft.com/office/drawing/2010/main">
+                  <a14:imgLayer r:embed="rId5">
+                    <a14:imgEffect>
+                      <a14:backgroundRemoval t="0" b="95848" l="758" r="95076">
+                        <a14:foregroundMark x1="36742" y1="32526" x2="36742" y2="32526"/>
+                        <a14:foregroundMark x1="39015" y1="2768" x2="29167" y2="18685"/>
+                        <a14:foregroundMark x1="29167" y1="18685" x2="29167" y2="30450"/>
+                        <a14:foregroundMark x1="35985" y1="2768" x2="49242" y2="35986"/>
+                        <a14:foregroundMark x1="49242" y1="35986" x2="46970" y2="47751"/>
+                        <a14:foregroundMark x1="38636" y1="1038" x2="46212" y2="17301"/>
+                        <a14:foregroundMark x1="46212" y1="17301" x2="49242" y2="43599"/>
+                        <a14:foregroundMark x1="47727" y1="29066" x2="64773" y2="37716"/>
+                        <a14:foregroundMark x1="64773" y1="37716" x2="49242" y2="51903"/>
+                        <a14:foregroundMark x1="49242" y1="51903" x2="37879" y2="37716"/>
+                        <a14:foregroundMark x1="37879" y1="37716" x2="51136" y2="29412"/>
+                        <a14:foregroundMark x1="61364" y1="37370" x2="79924" y2="40484"/>
+                        <a14:foregroundMark x1="79924" y1="40484" x2="95076" y2="51211"/>
+                        <a14:foregroundMark x1="95076" y1="51211" x2="91667" y2="88581"/>
+                        <a14:foregroundMark x1="91667" y1="88581" x2="73485" y2="95848"/>
+                        <a14:foregroundMark x1="73485" y1="95848" x2="33712" y2="92388"/>
+                        <a14:foregroundMark x1="33712" y1="92388" x2="6061" y2="67820"/>
+                        <a14:foregroundMark x1="6061" y1="67820" x2="22727" y2="58131"/>
+                        <a14:foregroundMark x1="22727" y1="58131" x2="29924" y2="40138"/>
+                        <a14:foregroundMark x1="29924" y1="40138" x2="34848" y2="10035"/>
+                        <a14:foregroundMark x1="37879" y1="22837" x2="41288" y2="61592"/>
+                        <a14:foregroundMark x1="41288" y1="61592" x2="43182" y2="39446"/>
+                        <a14:foregroundMark x1="43182" y1="39446" x2="37500" y2="21453"/>
+                        <a14:foregroundMark x1="35606" y1="38754" x2="38258" y2="56747"/>
+                        <a14:foregroundMark x1="38258" y1="56747" x2="50379" y2="72664"/>
+                        <a14:foregroundMark x1="50379" y1="72664" x2="55682" y2="51211"/>
+                        <a14:foregroundMark x1="55682" y1="51211" x2="46970" y2="41869"/>
+                        <a14:foregroundMark x1="68939" y1="36332" x2="56061" y2="60900"/>
+                        <a14:foregroundMark x1="56061" y1="60900" x2="67803" y2="76125"/>
+                        <a14:foregroundMark x1="67803" y1="76125" x2="75000" y2="59862"/>
+                        <a14:foregroundMark x1="75000" y1="59862" x2="75758" y2="42561"/>
+                        <a14:foregroundMark x1="75758" y1="42561" x2="66288" y2="37024"/>
+                        <a14:foregroundMark x1="87500" y1="41522" x2="72727" y2="53633"/>
+                        <a14:foregroundMark x1="72727" y1="53633" x2="69697" y2="71972"/>
+                        <a14:foregroundMark x1="69697" y1="71972" x2="88636" y2="59516"/>
+                        <a14:foregroundMark x1="88636" y1="59516" x2="89773" y2="41522"/>
+                        <a14:foregroundMark x1="89773" y1="41522" x2="87879" y2="41176"/>
+                        <a14:foregroundMark x1="87879" y1="56401" x2="92424" y2="74740"/>
+                        <a14:foregroundMark x1="92424" y1="74740" x2="82576" y2="89619"/>
+                        <a14:foregroundMark x1="82576" y1="89619" x2="66288" y2="79931"/>
+                        <a14:foregroundMark x1="66288" y1="79931" x2="77273" y2="64014"/>
+                        <a14:foregroundMark x1="77273" y1="64014" x2="88258" y2="57785"/>
+                        <a14:foregroundMark x1="83333" y1="79585" x2="77273" y2="96886"/>
+                        <a14:foregroundMark x1="77273" y1="96886" x2="56061" y2="92388"/>
+                        <a14:foregroundMark x1="56061" y1="92388" x2="47348" y2="75433"/>
+                        <a14:foregroundMark x1="47348" y1="75433" x2="68561" y2="68166"/>
+                        <a14:foregroundMark x1="68561" y1="68166" x2="85227" y2="77163"/>
+                        <a14:foregroundMark x1="85227" y1="77163" x2="82576" y2="83391"/>
+                        <a14:foregroundMark x1="49621" y1="92042" x2="30682" y2="88235"/>
+                        <a14:foregroundMark x1="30682" y1="88235" x2="17045" y2="74394"/>
+                        <a14:foregroundMark x1="17045" y1="74394" x2="27652" y2="59516"/>
+                        <a14:foregroundMark x1="27652" y1="59516" x2="43561" y2="70934"/>
+                        <a14:foregroundMark x1="43561" y1="70934" x2="51515" y2="86851"/>
+                        <a14:foregroundMark x1="51515" y1="86851" x2="46591" y2="92388"/>
+                        <a14:foregroundMark x1="21970" y1="58131" x2="3409" y2="62630"/>
+                        <a14:foregroundMark x1="3409" y1="62630" x2="23106" y2="62630"/>
+                        <a14:foregroundMark x1="23106" y1="62630" x2="23106" y2="58478"/>
+                        <a14:foregroundMark x1="20455" y1="57785" x2="23106" y2="57093"/>
+                        <a14:foregroundMark x1="20455" y1="57093" x2="21970" y2="56055"/>
+                        <a14:foregroundMark x1="19697" y1="58131" x2="1136" y2="62630"/>
+                        <a14:foregroundMark x1="1136" y1="62630" x2="20455" y2="60554"/>
+                        <a14:foregroundMark x1="20455" y1="60554" x2="18561" y2="56401"/>
+                        <a14:foregroundMark x1="34848" y1="89273" x2="53409" y2="95848"/>
+                        <a14:foregroundMark x1="53409" y1="95848" x2="75379" y2="95848"/>
+                        <a14:foregroundMark x1="75379" y1="95848" x2="52273" y2="89965"/>
+                        <a14:foregroundMark x1="52273" y1="89965" x2="28788" y2="91696"/>
+                        <a14:foregroundMark x1="92424" y1="82353" x2="96212" y2="41869"/>
+                        <a14:foregroundMark x1="96212" y1="41869" x2="89773" y2="59170"/>
+                        <a14:foregroundMark x1="89773" y1="59170" x2="90909" y2="76471"/>
+                        <a14:foregroundMark x1="90909" y1="76471" x2="95076" y2="84775"/>
+                        <a14:foregroundMark x1="33333" y1="49135" x2="28788" y2="31488"/>
+                        <a14:foregroundMark x1="28788" y1="31488" x2="29924" y2="12111"/>
+                        <a14:foregroundMark x1="29924" y1="12111" x2="36742" y2="28374"/>
+                        <a14:foregroundMark x1="36742" y1="28374" x2="32576" y2="52941"/>
+                        <a14:backgroundMark x1="12879" y1="23183" x2="12879" y2="23183"/>
+                        <a14:backgroundMark x1="73485" y1="14187" x2="73485" y2="14187"/>
+                      </a14:backgroundRemoval>
+                    </a14:imgEffect>
+                  </a14:imgLayer>
+                </a14:imgProps>
+              </a:ext>
+            </a:extLst>
+          </a:blip>
+          <a:stretch>
+            <a:fillRect/>
+          </a:stretch>
+        </p:blipFill>
+        <p:spPr>
+          <a:xfrm>
+            <a:off x="4443503" y="2005393"/>
+            <a:ext cx="2600915" cy="2847214"/>
+          </a:xfrm>
+          <a:prstGeom prst="rect">
+            <a:avLst/>
+          </a:prstGeom>
+        </p:spPr>
+      </p:pic>
+    </p:spTree>
+    <p:extLst>
+      <p:ext uri="{BB962C8B-B14F-4D97-AF65-F5344CB8AC3E}">
+        <p14:creationId xmlns:p14="http://schemas.microsoft.com/office/powerpoint/2010/main" val="3938794795"/>
+      </p:ext>
+    </p:extLst>
+  </p:cSld>
+  <p:clrMapOvr>
+    <a:masterClrMapping/>
+  </p:clrMapOvr>
+</p:sld>
+</file>
+
+<file path=ppt/slides/slide5.xml><?xml version="1.0" encoding="utf-8"?>
+<p:sld xmlns:a="http://schemas.openxmlformats.org/drawingml/2006/main" xmlns:r="http://schemas.openxmlformats.org/officeDocument/2006/relationships" xmlns:p="http://schemas.openxmlformats.org/presentationml/2006/main">
+  <p:cSld>
+    <p:spTree>
+      <p:nvGrpSpPr>
+        <p:cNvPr id="1" name=""/>
+        <p:cNvGrpSpPr/>
+        <p:nvPr/>
+      </p:nvGrpSpPr>
+      <p:grpSpPr>
+        <a:xfrm>
+          <a:off x="0" y="0"/>
+          <a:ext cx="0" cy="0"/>
+          <a:chOff x="0" y="0"/>
+          <a:chExt cx="0" cy="0"/>
+        </a:xfrm>
+      </p:grpSpPr>
+      <p:pic>
+        <p:nvPicPr>
+          <p:cNvPr id="2052" name="Picture 4" descr="Image result for bolt clipart .png">
+            <a:extLst>
+              <a:ext uri="{FF2B5EF4-FFF2-40B4-BE49-F238E27FC236}">
+                <a16:creationId xmlns:a16="http://schemas.microsoft.com/office/drawing/2014/main" id="{66A7CA27-0010-46A8-8C6D-174CCA82119F}"/>
+              </a:ext>
+            </a:extLst>
+          </p:cNvPr>
+          <p:cNvPicPr>
+            <a:picLocks noChangeAspect="1" noChangeArrowheads="1"/>
+          </p:cNvPicPr>
+          <p:nvPr/>
+        </p:nvPicPr>
+        <p:blipFill>
+          <a:blip r:embed="rId2">
+            <a:extLst>
+              <a:ext uri="{28A0092B-C50C-407E-A947-70E740481C1C}">
+                <a14:useLocalDpi xmlns:a14="http://schemas.microsoft.com/office/drawing/2010/main" val="0"/>
+              </a:ext>
+            </a:extLst>
+          </a:blip>
+          <a:srcRect/>
+          <a:stretch>
+            <a:fillRect/>
+          </a:stretch>
+        </p:blipFill>
+        <p:spPr bwMode="auto">
+          <a:xfrm rot="20869078">
+            <a:off x="4752201" y="1725222"/>
+            <a:ext cx="2861930" cy="3110793"/>
+          </a:xfrm>
+          <a:prstGeom prst="rect">
+            <a:avLst/>
+          </a:prstGeom>
+          <a:noFill/>
+          <a:extLst>
+            <a:ext uri="{909E8E84-426E-40DD-AFC4-6F175D3DCCD1}">
+              <a14:hiddenFill xmlns:a14="http://schemas.microsoft.com/office/drawing/2010/main">
+                <a:solidFill>
+                  <a:srgbClr val="FFFFFF"/>
+                </a:solidFill>
+              </a14:hiddenFill>
+            </a:ext>
+          </a:extLst>
+        </p:spPr>
+      </p:pic>
+      <p:sp>
+        <p:nvSpPr>
+          <p:cNvPr id="6" name="Rectangle 5">
+            <a:extLst>
+              <a:ext uri="{FF2B5EF4-FFF2-40B4-BE49-F238E27FC236}">
+                <a16:creationId xmlns:a16="http://schemas.microsoft.com/office/drawing/2014/main" id="{F01DF2FC-8F22-4274-ABBF-67D403434D82}"/>
+              </a:ext>
+            </a:extLst>
+          </p:cNvPr>
+          <p:cNvSpPr/>
+          <p:nvPr/>
+        </p:nvSpPr>
+        <p:spPr>
+          <a:xfrm>
+            <a:off x="4198184" y="1445351"/>
+            <a:ext cx="3657600" cy="3657600"/>
+          </a:xfrm>
+          <a:prstGeom prst="rect">
+            <a:avLst/>
+          </a:prstGeom>
+          <a:noFill/>
+          <a:ln>
+            <a:noFill/>
+          </a:ln>
+        </p:spPr>
+        <p:style>
+          <a:lnRef idx="2">
+            <a:schemeClr val="dk1"/>
+          </a:lnRef>
+          <a:fillRef idx="1">
+            <a:schemeClr val="lt1"/>
+          </a:fillRef>
+          <a:effectRef idx="0">
+            <a:schemeClr val="dk1"/>
+          </a:effectRef>
+          <a:fontRef idx="minor">
+            <a:schemeClr val="dk1"/>
+          </a:fontRef>
+        </p:style>
+        <p:txBody>
+          <a:bodyPr rtlCol="0" anchor="ctr"/>
+          <a:lstStyle/>
+          <a:p>
+            <a:pPr algn="ctr"/>
+            <a:endParaRPr lang="en-US"/>
+          </a:p>
+        </p:txBody>
+      </p:sp>
+    </p:spTree>
+    <p:extLst>
+      <p:ext uri="{BB962C8B-B14F-4D97-AF65-F5344CB8AC3E}">
+        <p14:creationId xmlns:p14="http://schemas.microsoft.com/office/powerpoint/2010/main" val="1612653360"/>
+      </p:ext>
+    </p:extLst>
+  </p:cSld>
+  <p:clrMapOvr>
+    <a:masterClrMapping/>
+  </p:clrMapOvr>
+</p:sld>
+</file>
+
+<file path=ppt/slides/slide6.xml><?xml version="1.0" encoding="utf-8"?>
+<p:sld xmlns:a="http://schemas.openxmlformats.org/drawingml/2006/main" xmlns:r="http://schemas.openxmlformats.org/officeDocument/2006/relationships" xmlns:p="http://schemas.openxmlformats.org/presentationml/2006/main">
+  <p:cSld>
+    <p:spTree>
+      <p:nvGrpSpPr>
+        <p:cNvPr id="1" name=""/>
+        <p:cNvGrpSpPr/>
+        <p:nvPr/>
+      </p:nvGrpSpPr>
+      <p:grpSpPr>
+        <a:xfrm>
+          <a:off x="0" y="0"/>
+          <a:ext cx="0" cy="0"/>
+          <a:chOff x="0" y="0"/>
+          <a:chExt cx="0" cy="0"/>
+        </a:xfrm>
+      </p:grpSpPr>
+    </p:spTree>
+    <p:extLst>
+      <p:ext uri="{BB962C8B-B14F-4D97-AF65-F5344CB8AC3E}">
+        <p14:creationId xmlns:p14="http://schemas.microsoft.com/office/powerpoint/2010/main" val="2247634098"/>
+      </p:ext>
+    </p:extLst>
+  </p:cSld>
+  <p:clrMapOvr>
+    <a:masterClrMapping/>
+  </p:clrMapOvr>
+</p:sld>
+</file>
+
 <file path=ppt/theme/theme1.xml><?xml version="1.0" encoding="utf-8"?>
 <a:theme xmlns:a="http://schemas.openxmlformats.org/drawingml/2006/main" name="Office Theme">
   <a:themeElements>
-    <a:clrScheme name="Office">
+    <a:clrScheme name="Red Violet">
       <a:dk1>
         <a:sysClr val="windowText" lastClr="000000"/>
       </a:dk1>
@@ -3087,34 +3826,34 @@
         <a:sysClr val="window" lastClr="FFFFFF"/>
       </a:lt1>
       <a:dk2>
-        <a:srgbClr val="44546A"/>
+        <a:srgbClr val="454551"/>
       </a:dk2>
       <a:lt2>
-        <a:srgbClr val="E7E6E6"/>
+        <a:srgbClr val="D8D9DC"/>
       </a:lt2>
       <a:accent1>
-        <a:srgbClr val="5B9BD5"/>
+        <a:srgbClr val="E32D91"/>
       </a:accent1>
       <a:accent2>
-        <a:srgbClr val="ED7D31"/>
+        <a:srgbClr val="C830CC"/>
       </a:accent2>
       <a:accent3>
-        <a:srgbClr val="A5A5A5"/>
+        <a:srgbClr val="4EA6DC"/>
       </a:accent3>
       <a:accent4>
-        <a:srgbClr val="FFC000"/>
+        <a:srgbClr val="4775E7"/>
       </a:accent4>
       <a:accent5>
-        <a:srgbClr val="4472C4"/>
+        <a:srgbClr val="8971E1"/>
       </a:accent5>
       <a:accent6>
-        <a:srgbClr val="70AD47"/>
+        <a:srgbClr val="D54773"/>
       </a:accent6>
       <a:hlink>
-        <a:srgbClr val="0563C1"/>
+        <a:srgbClr val="6B9F25"/>
       </a:hlink>
       <a:folHlink>
-        <a:srgbClr val="954F72"/>
+        <a:srgbClr val="8C8C8C"/>
       </a:folHlink>
     </a:clrScheme>
     <a:fontScheme name="Office">
